--- a/Presentacion de trivia guacamayas.pptx
+++ b/Presentacion de trivia guacamayas.pptx
@@ -3228,12 +3228,28 @@
               <a:t> </a:t>
             </a:r>
             <a:r>
+              <a:rPr lang="en-US" altLang="es-ES" sz="3600" b="1">
+                <a:solidFill>
+                  <a:schemeClr val="bg1"/>
+                </a:solidFill>
+              </a:rPr>
+              <a:t>Josu</a:t>
+            </a:r>
+            <a:r>
+              <a:rPr lang="en-US" altLang="en-US" sz="3600" b="1">
+                <a:solidFill>
+                  <a:schemeClr val="bg1"/>
+                </a:solidFill>
+              </a:rPr>
+              <a:t>é</a:t>
+            </a:r>
+            <a:r>
               <a:rPr lang="es-ES" sz="3600" b="1">
                 <a:solidFill>
                   <a:schemeClr val="bg1"/>
                 </a:solidFill>
               </a:rPr>
-              <a:t>Josue </a:t>
+              <a:t> </a:t>
             </a:r>
             <a:r>
               <a:rPr lang="en-US" altLang="es-ES" sz="3600" b="1">
@@ -3241,7 +3257,7 @@
                   <a:schemeClr val="bg1"/>
                 </a:solidFill>
               </a:rPr>
-              <a:t>david chirivi</a:t>
+              <a:t>David Chirivi</a:t>
             </a:r>
             <a:endParaRPr lang="en-US" altLang="es-ES" sz="3600" b="1">
               <a:solidFill>
